--- a/Lab-1-cs-430/Lab1Instructions.pptx
+++ b/Lab-1-cs-430/Lab1Instructions.pptx
@@ -199,7 +199,7 @@
           <a:p>
             <a:fld id="{3299098B-E46C-134F-8105-6EEBC579C925}" type="datetimeFigureOut">
               <a:rPr lang="en-US" smtClean="0"/>
-              <a:t>2/13/20</a:t>
+              <a:t>3/4/2020</a:t>
             </a:fld>
             <a:endParaRPr lang="en-US"/>
           </a:p>
@@ -697,7 +697,7 @@
           <a:p>
             <a:fld id="{AED45839-70C8-A04D-89F4-D7DCB6F96981}" type="datetimeFigureOut">
               <a:rPr lang="en-US" smtClean="0"/>
-              <a:t>2/13/20</a:t>
+              <a:t>3/4/2020</a:t>
             </a:fld>
             <a:endParaRPr lang="en-US"/>
           </a:p>
@@ -895,7 +895,7 @@
           <a:p>
             <a:fld id="{AED45839-70C8-A04D-89F4-D7DCB6F96981}" type="datetimeFigureOut">
               <a:rPr lang="en-US" smtClean="0"/>
-              <a:t>2/13/20</a:t>
+              <a:t>3/4/2020</a:t>
             </a:fld>
             <a:endParaRPr lang="en-US"/>
           </a:p>
@@ -1103,7 +1103,7 @@
           <a:p>
             <a:fld id="{AED45839-70C8-A04D-89F4-D7DCB6F96981}" type="datetimeFigureOut">
               <a:rPr lang="en-US" smtClean="0"/>
-              <a:t>2/13/20</a:t>
+              <a:t>3/4/2020</a:t>
             </a:fld>
             <a:endParaRPr lang="en-US"/>
           </a:p>
@@ -1301,7 +1301,7 @@
           <a:p>
             <a:fld id="{AED45839-70C8-A04D-89F4-D7DCB6F96981}" type="datetimeFigureOut">
               <a:rPr lang="en-US" smtClean="0"/>
-              <a:t>2/13/20</a:t>
+              <a:t>3/4/2020</a:t>
             </a:fld>
             <a:endParaRPr lang="en-US"/>
           </a:p>
@@ -1576,7 +1576,7 @@
           <a:p>
             <a:fld id="{AED45839-70C8-A04D-89F4-D7DCB6F96981}" type="datetimeFigureOut">
               <a:rPr lang="en-US" smtClean="0"/>
-              <a:t>2/13/20</a:t>
+              <a:t>3/4/2020</a:t>
             </a:fld>
             <a:endParaRPr lang="en-US"/>
           </a:p>
@@ -1841,7 +1841,7 @@
           <a:p>
             <a:fld id="{AED45839-70C8-A04D-89F4-D7DCB6F96981}" type="datetimeFigureOut">
               <a:rPr lang="en-US" smtClean="0"/>
-              <a:t>2/13/20</a:t>
+              <a:t>3/4/2020</a:t>
             </a:fld>
             <a:endParaRPr lang="en-US"/>
           </a:p>
@@ -2253,7 +2253,7 @@
           <a:p>
             <a:fld id="{AED45839-70C8-A04D-89F4-D7DCB6F96981}" type="datetimeFigureOut">
               <a:rPr lang="en-US" smtClean="0"/>
-              <a:t>2/13/20</a:t>
+              <a:t>3/4/2020</a:t>
             </a:fld>
             <a:endParaRPr lang="en-US"/>
           </a:p>
@@ -2394,7 +2394,7 @@
           <a:p>
             <a:fld id="{AED45839-70C8-A04D-89F4-D7DCB6F96981}" type="datetimeFigureOut">
               <a:rPr lang="en-US" smtClean="0"/>
-              <a:t>2/13/20</a:t>
+              <a:t>3/4/2020</a:t>
             </a:fld>
             <a:endParaRPr lang="en-US"/>
           </a:p>
@@ -2507,7 +2507,7 @@
           <a:p>
             <a:fld id="{AED45839-70C8-A04D-89F4-D7DCB6F96981}" type="datetimeFigureOut">
               <a:rPr lang="en-US" smtClean="0"/>
-              <a:t>2/13/20</a:t>
+              <a:t>3/4/2020</a:t>
             </a:fld>
             <a:endParaRPr lang="en-US"/>
           </a:p>
@@ -2818,7 +2818,7 @@
           <a:p>
             <a:fld id="{AED45839-70C8-A04D-89F4-D7DCB6F96981}" type="datetimeFigureOut">
               <a:rPr lang="en-US" smtClean="0"/>
-              <a:t>2/13/20</a:t>
+              <a:t>3/4/2020</a:t>
             </a:fld>
             <a:endParaRPr lang="en-US"/>
           </a:p>
@@ -3106,7 +3106,7 @@
           <a:p>
             <a:fld id="{AED45839-70C8-A04D-89F4-D7DCB6F96981}" type="datetimeFigureOut">
               <a:rPr lang="en-US" smtClean="0"/>
-              <a:t>2/13/20</a:t>
+              <a:t>3/4/2020</a:t>
             </a:fld>
             <a:endParaRPr lang="en-US"/>
           </a:p>
@@ -3347,7 +3347,7 @@
           <a:p>
             <a:fld id="{AED45839-70C8-A04D-89F4-D7DCB6F96981}" type="datetimeFigureOut">
               <a:rPr lang="en-US" smtClean="0"/>
-              <a:t>2/13/20</a:t>
+              <a:t>3/4/2020</a:t>
             </a:fld>
             <a:endParaRPr lang="en-US"/>
           </a:p>
@@ -3787,7 +3787,7 @@
           <a:p>
             <a:r>
               <a:rPr lang="en-US" dirty="0"/>
-              <a:t>Lab 1 Instructions</a:t>
+              <a:t>Lab 3 Instructions</a:t>
             </a:r>
           </a:p>
         </p:txBody>
@@ -3823,15 +3823,19 @@
             </a:r>
             <a:r>
               <a:rPr lang="en-US" dirty="0"/>
-              <a:t> </a:t>
+              <a:t>, </a:t>
             </a:r>
             <a:r>
               <a:rPr lang="en-US" dirty="0" err="1"/>
               <a:t>seatNo</a:t>
             </a:r>
             <a:r>
+              <a:rPr lang="en-US"/>
+              <a:t>: 45, </a:t>
+            </a:r>
+            <a:r>
               <a:rPr lang="en-US" dirty="0"/>
-              <a:t>: 45 CWID: A20414760, Adrian Kirchner </a:t>
+              <a:t>CWID: A20414760, Adrian Kirchner, </a:t>
             </a:r>
             <a:r>
               <a:rPr lang="en-US" dirty="0" err="1"/>
@@ -3839,7 +3843,7 @@
             </a:r>
             <a:r>
               <a:rPr lang="en-US" dirty="0"/>
-              <a:t>: 34 CWID: A20425060</a:t>
+              <a:t>: 34, CWID: A20425060</a:t>
             </a:r>
           </a:p>
         </p:txBody>
@@ -4018,10 +4022,10 @@
       </p:sp>
       <p:pic>
         <p:nvPicPr>
-          <p:cNvPr id="5" name="Content Placeholder 4" descr="A screenshot of a cell phone&#10;&#10;Description automatically generated">
-            <a:extLst>
-              <a:ext uri="{FF2B5EF4-FFF2-40B4-BE49-F238E27FC236}">
-                <a16:creationId xmlns:a16="http://schemas.microsoft.com/office/drawing/2014/main" id="{92415FE5-A494-4941-9BDE-1FAD3B0D602B}"/>
+          <p:cNvPr id="7" name="Content Placeholder 6" descr="A screenshot of a cell phone&#10;&#10;Description automatically generated">
+            <a:extLst>
+              <a:ext uri="{FF2B5EF4-FFF2-40B4-BE49-F238E27FC236}">
+                <a16:creationId xmlns:a16="http://schemas.microsoft.com/office/drawing/2014/main" id="{94DF06A3-86B3-B440-893E-F165DFE0A620}"/>
               </a:ext>
             </a:extLst>
           </p:cNvPr>
@@ -4040,8 +4044,8 @@
         </p:blipFill>
         <p:spPr>
           <a:xfrm>
-            <a:off x="838200" y="2928807"/>
-            <a:ext cx="10515600" cy="2144973"/>
+            <a:off x="1881352" y="3398712"/>
+            <a:ext cx="8225451" cy="1593681"/>
           </a:xfrm>
         </p:spPr>
       </p:pic>
@@ -4054,13 +4058,15 @@
               </a:ext>
             </a:extLst>
           </p:cNvPr>
-          <p:cNvCxnSpPr/>
+          <p:cNvCxnSpPr>
+            <a:cxnSpLocks/>
+          </p:cNvCxnSpPr>
           <p:nvPr/>
         </p:nvCxnSpPr>
         <p:spPr>
           <a:xfrm flipH="1">
-            <a:off x="6915807" y="2112579"/>
-            <a:ext cx="1563624" cy="2291255"/>
+            <a:off x="6558455" y="2112579"/>
+            <a:ext cx="1920976" cy="2333287"/>
           </a:xfrm>
           <a:prstGeom prst="straightConnector1">
             <a:avLst/>
@@ -4115,6 +4121,83 @@
             <a:r>
               <a:rPr lang="en-US" dirty="0"/>
               <a:t>Enter size of array into text box</a:t>
+            </a:r>
+          </a:p>
+        </p:txBody>
+      </p:sp>
+      <p:cxnSp>
+        <p:nvCxnSpPr>
+          <p:cNvPr id="16" name="Straight Arrow Connector 15">
+            <a:extLst>
+              <a:ext uri="{FF2B5EF4-FFF2-40B4-BE49-F238E27FC236}">
+                <a16:creationId xmlns:a16="http://schemas.microsoft.com/office/drawing/2014/main" id="{BDD35F56-7893-8349-A1C8-3FBA25FB935C}"/>
+              </a:ext>
+            </a:extLst>
+          </p:cNvPr>
+          <p:cNvCxnSpPr>
+            <a:cxnSpLocks/>
+            <a:stCxn id="18" idx="2"/>
+          </p:cNvCxnSpPr>
+          <p:nvPr/>
+        </p:nvCxnSpPr>
+        <p:spPr>
+          <a:xfrm>
+            <a:off x="2667105" y="2478742"/>
+            <a:ext cx="2130867" cy="1350800"/>
+          </a:xfrm>
+          <a:prstGeom prst="straightConnector1">
+            <a:avLst/>
+          </a:prstGeom>
+          <a:ln>
+            <a:tailEnd type="triangle"/>
+          </a:ln>
+        </p:spPr>
+        <p:style>
+          <a:lnRef idx="1">
+            <a:schemeClr val="accent1"/>
+          </a:lnRef>
+          <a:fillRef idx="0">
+            <a:schemeClr val="accent1"/>
+          </a:fillRef>
+          <a:effectRef idx="0">
+            <a:schemeClr val="accent1"/>
+          </a:effectRef>
+          <a:fontRef idx="minor">
+            <a:schemeClr val="tx1"/>
+          </a:fontRef>
+        </p:style>
+      </p:cxnSp>
+      <p:sp>
+        <p:nvSpPr>
+          <p:cNvPr id="18" name="TextBox 17">
+            <a:extLst>
+              <a:ext uri="{FF2B5EF4-FFF2-40B4-BE49-F238E27FC236}">
+                <a16:creationId xmlns:a16="http://schemas.microsoft.com/office/drawing/2014/main" id="{86FFB6DA-72B4-464A-BA4B-47E7AC6547BE}"/>
+              </a:ext>
+            </a:extLst>
+          </p:cNvPr>
+          <p:cNvSpPr txBox="1"/>
+          <p:nvPr/>
+        </p:nvSpPr>
+        <p:spPr>
+          <a:xfrm>
+            <a:off x="1292772" y="1555412"/>
+            <a:ext cx="2748666" cy="923330"/>
+          </a:xfrm>
+          <a:prstGeom prst="rect">
+            <a:avLst/>
+          </a:prstGeom>
+          <a:noFill/>
+        </p:spPr>
+        <p:txBody>
+          <a:bodyPr wrap="square" rtlCol="0">
+            <a:spAutoFit/>
+          </a:bodyPr>
+          <a:lstStyle/>
+          <a:p>
+            <a:r>
+              <a:rPr lang="en-US" dirty="0"/>
+              <a:t>Get the speed of each of the sorting algorithms in milliseconds </a:t>
             </a:r>
           </a:p>
         </p:txBody>
@@ -4191,83 +4274,6 @@
             <a:r>
               <a:rPr lang="en-US" dirty="0"/>
               <a:t>Press start to run program</a:t>
-            </a:r>
-          </a:p>
-        </p:txBody>
-      </p:sp>
-      <p:cxnSp>
-        <p:nvCxnSpPr>
-          <p:cNvPr id="16" name="Straight Arrow Connector 15">
-            <a:extLst>
-              <a:ext uri="{FF2B5EF4-FFF2-40B4-BE49-F238E27FC236}">
-                <a16:creationId xmlns:a16="http://schemas.microsoft.com/office/drawing/2014/main" id="{BDD35F56-7893-8349-A1C8-3FBA25FB935C}"/>
-              </a:ext>
-            </a:extLst>
-          </p:cNvPr>
-          <p:cNvCxnSpPr>
-            <a:cxnSpLocks/>
-            <a:stCxn id="18" idx="2"/>
-          </p:cNvCxnSpPr>
-          <p:nvPr/>
-        </p:nvCxnSpPr>
-        <p:spPr>
-          <a:xfrm>
-            <a:off x="2667105" y="2478742"/>
-            <a:ext cx="1795850" cy="1022442"/>
-          </a:xfrm>
-          <a:prstGeom prst="straightConnector1">
-            <a:avLst/>
-          </a:prstGeom>
-          <a:ln>
-            <a:tailEnd type="triangle"/>
-          </a:ln>
-        </p:spPr>
-        <p:style>
-          <a:lnRef idx="1">
-            <a:schemeClr val="accent1"/>
-          </a:lnRef>
-          <a:fillRef idx="0">
-            <a:schemeClr val="accent1"/>
-          </a:fillRef>
-          <a:effectRef idx="0">
-            <a:schemeClr val="accent1"/>
-          </a:effectRef>
-          <a:fontRef idx="minor">
-            <a:schemeClr val="tx1"/>
-          </a:fontRef>
-        </p:style>
-      </p:cxnSp>
-      <p:sp>
-        <p:nvSpPr>
-          <p:cNvPr id="18" name="TextBox 17">
-            <a:extLst>
-              <a:ext uri="{FF2B5EF4-FFF2-40B4-BE49-F238E27FC236}">
-                <a16:creationId xmlns:a16="http://schemas.microsoft.com/office/drawing/2014/main" id="{86FFB6DA-72B4-464A-BA4B-47E7AC6547BE}"/>
-              </a:ext>
-            </a:extLst>
-          </p:cNvPr>
-          <p:cNvSpPr txBox="1"/>
-          <p:nvPr/>
-        </p:nvSpPr>
-        <p:spPr>
-          <a:xfrm>
-            <a:off x="1292772" y="1555412"/>
-            <a:ext cx="2748666" cy="923330"/>
-          </a:xfrm>
-          <a:prstGeom prst="rect">
-            <a:avLst/>
-          </a:prstGeom>
-          <a:noFill/>
-        </p:spPr>
-        <p:txBody>
-          <a:bodyPr wrap="square" rtlCol="0">
-            <a:spAutoFit/>
-          </a:bodyPr>
-          <a:lstStyle/>
-          <a:p>
-            <a:r>
-              <a:rPr lang="en-US" dirty="0"/>
-              <a:t>Get the speed of each of the sorting algorithms in milliseconds </a:t>
             </a:r>
           </a:p>
         </p:txBody>
